--- a/Pictures/Report2_ChIPseq_analysis_report_model.pptx
+++ b/Pictures/Report2_ChIPseq_analysis_report_model.pptx
@@ -249,7 +249,7 @@
           <a:p>
             <a:fld id="{8E3791C1-DEFE-4CC8-B039-8F6B92BC8022}" type="datetimeFigureOut">
               <a:rPr lang="fr-FR" smtClean="0"/>
-              <a:t>20/07/2022</a:t>
+              <a:t>22/08/2024</a:t>
             </a:fld>
             <a:endParaRPr lang="fr-FR"/>
           </a:p>
@@ -291,7 +291,7 @@
           <a:p>
             <a:fld id="{94AC809D-A271-4F70-B779-6C837F015645}" type="slidenum">
               <a:rPr lang="fr-FR" smtClean="0"/>
-              <a:t>‹N°›</a:t>
+              <a:t>‹#›</a:t>
             </a:fld>
             <a:endParaRPr lang="fr-FR"/>
           </a:p>
@@ -419,7 +419,7 @@
           <a:p>
             <a:fld id="{8E3791C1-DEFE-4CC8-B039-8F6B92BC8022}" type="datetimeFigureOut">
               <a:rPr lang="fr-FR" smtClean="0"/>
-              <a:t>20/07/2022</a:t>
+              <a:t>22/08/2024</a:t>
             </a:fld>
             <a:endParaRPr lang="fr-FR"/>
           </a:p>
@@ -461,7 +461,7 @@
           <a:p>
             <a:fld id="{94AC809D-A271-4F70-B779-6C837F015645}" type="slidenum">
               <a:rPr lang="fr-FR" smtClean="0"/>
-              <a:t>‹N°›</a:t>
+              <a:t>‹#›</a:t>
             </a:fld>
             <a:endParaRPr lang="fr-FR"/>
           </a:p>
@@ -599,7 +599,7 @@
           <a:p>
             <a:fld id="{8E3791C1-DEFE-4CC8-B039-8F6B92BC8022}" type="datetimeFigureOut">
               <a:rPr lang="fr-FR" smtClean="0"/>
-              <a:t>20/07/2022</a:t>
+              <a:t>22/08/2024</a:t>
             </a:fld>
             <a:endParaRPr lang="fr-FR"/>
           </a:p>
@@ -641,7 +641,7 @@
           <a:p>
             <a:fld id="{94AC809D-A271-4F70-B779-6C837F015645}" type="slidenum">
               <a:rPr lang="fr-FR" smtClean="0"/>
-              <a:t>‹N°›</a:t>
+              <a:t>‹#›</a:t>
             </a:fld>
             <a:endParaRPr lang="fr-FR"/>
           </a:p>
@@ -769,7 +769,7 @@
           <a:p>
             <a:fld id="{8E3791C1-DEFE-4CC8-B039-8F6B92BC8022}" type="datetimeFigureOut">
               <a:rPr lang="fr-FR" smtClean="0"/>
-              <a:t>20/07/2022</a:t>
+              <a:t>22/08/2024</a:t>
             </a:fld>
             <a:endParaRPr lang="fr-FR"/>
           </a:p>
@@ -811,7 +811,7 @@
           <a:p>
             <a:fld id="{94AC809D-A271-4F70-B779-6C837F015645}" type="slidenum">
               <a:rPr lang="fr-FR" smtClean="0"/>
-              <a:t>‹N°›</a:t>
+              <a:t>‹#›</a:t>
             </a:fld>
             <a:endParaRPr lang="fr-FR"/>
           </a:p>
@@ -1013,7 +1013,7 @@
           <a:p>
             <a:fld id="{8E3791C1-DEFE-4CC8-B039-8F6B92BC8022}" type="datetimeFigureOut">
               <a:rPr lang="fr-FR" smtClean="0"/>
-              <a:t>20/07/2022</a:t>
+              <a:t>22/08/2024</a:t>
             </a:fld>
             <a:endParaRPr lang="fr-FR"/>
           </a:p>
@@ -1055,7 +1055,7 @@
           <a:p>
             <a:fld id="{94AC809D-A271-4F70-B779-6C837F015645}" type="slidenum">
               <a:rPr lang="fr-FR" smtClean="0"/>
-              <a:t>‹N°›</a:t>
+              <a:t>‹#›</a:t>
             </a:fld>
             <a:endParaRPr lang="fr-FR"/>
           </a:p>
@@ -1245,7 +1245,7 @@
           <a:p>
             <a:fld id="{8E3791C1-DEFE-4CC8-B039-8F6B92BC8022}" type="datetimeFigureOut">
               <a:rPr lang="fr-FR" smtClean="0"/>
-              <a:t>20/07/2022</a:t>
+              <a:t>22/08/2024</a:t>
             </a:fld>
             <a:endParaRPr lang="fr-FR"/>
           </a:p>
@@ -1287,7 +1287,7 @@
           <a:p>
             <a:fld id="{94AC809D-A271-4F70-B779-6C837F015645}" type="slidenum">
               <a:rPr lang="fr-FR" smtClean="0"/>
-              <a:t>‹N°›</a:t>
+              <a:t>‹#›</a:t>
             </a:fld>
             <a:endParaRPr lang="fr-FR"/>
           </a:p>
@@ -1612,7 +1612,7 @@
           <a:p>
             <a:fld id="{8E3791C1-DEFE-4CC8-B039-8F6B92BC8022}" type="datetimeFigureOut">
               <a:rPr lang="fr-FR" smtClean="0"/>
-              <a:t>20/07/2022</a:t>
+              <a:t>22/08/2024</a:t>
             </a:fld>
             <a:endParaRPr lang="fr-FR"/>
           </a:p>
@@ -1654,7 +1654,7 @@
           <a:p>
             <a:fld id="{94AC809D-A271-4F70-B779-6C837F015645}" type="slidenum">
               <a:rPr lang="fr-FR" smtClean="0"/>
-              <a:t>‹N°›</a:t>
+              <a:t>‹#›</a:t>
             </a:fld>
             <a:endParaRPr lang="fr-FR"/>
           </a:p>
@@ -1730,7 +1730,7 @@
           <a:p>
             <a:fld id="{8E3791C1-DEFE-4CC8-B039-8F6B92BC8022}" type="datetimeFigureOut">
               <a:rPr lang="fr-FR" smtClean="0"/>
-              <a:t>20/07/2022</a:t>
+              <a:t>22/08/2024</a:t>
             </a:fld>
             <a:endParaRPr lang="fr-FR"/>
           </a:p>
@@ -1772,7 +1772,7 @@
           <a:p>
             <a:fld id="{94AC809D-A271-4F70-B779-6C837F015645}" type="slidenum">
               <a:rPr lang="fr-FR" smtClean="0"/>
-              <a:t>‹N°›</a:t>
+              <a:t>‹#›</a:t>
             </a:fld>
             <a:endParaRPr lang="fr-FR"/>
           </a:p>
@@ -1825,7 +1825,7 @@
           <a:p>
             <a:fld id="{8E3791C1-DEFE-4CC8-B039-8F6B92BC8022}" type="datetimeFigureOut">
               <a:rPr lang="fr-FR" smtClean="0"/>
-              <a:t>20/07/2022</a:t>
+              <a:t>22/08/2024</a:t>
             </a:fld>
             <a:endParaRPr lang="fr-FR"/>
           </a:p>
@@ -1867,7 +1867,7 @@
           <a:p>
             <a:fld id="{94AC809D-A271-4F70-B779-6C837F015645}" type="slidenum">
               <a:rPr lang="fr-FR" smtClean="0"/>
-              <a:t>‹N°›</a:t>
+              <a:t>‹#›</a:t>
             </a:fld>
             <a:endParaRPr lang="fr-FR"/>
           </a:p>
@@ -2102,7 +2102,7 @@
           <a:p>
             <a:fld id="{8E3791C1-DEFE-4CC8-B039-8F6B92BC8022}" type="datetimeFigureOut">
               <a:rPr lang="fr-FR" smtClean="0"/>
-              <a:t>20/07/2022</a:t>
+              <a:t>22/08/2024</a:t>
             </a:fld>
             <a:endParaRPr lang="fr-FR"/>
           </a:p>
@@ -2144,7 +2144,7 @@
           <a:p>
             <a:fld id="{94AC809D-A271-4F70-B779-6C837F015645}" type="slidenum">
               <a:rPr lang="fr-FR" smtClean="0"/>
-              <a:t>‹N°›</a:t>
+              <a:t>‹#›</a:t>
             </a:fld>
             <a:endParaRPr lang="fr-FR"/>
           </a:p>
@@ -2359,7 +2359,7 @@
           <a:p>
             <a:fld id="{8E3791C1-DEFE-4CC8-B039-8F6B92BC8022}" type="datetimeFigureOut">
               <a:rPr lang="fr-FR" smtClean="0"/>
-              <a:t>20/07/2022</a:t>
+              <a:t>22/08/2024</a:t>
             </a:fld>
             <a:endParaRPr lang="fr-FR"/>
           </a:p>
@@ -2401,7 +2401,7 @@
           <a:p>
             <a:fld id="{94AC809D-A271-4F70-B779-6C837F015645}" type="slidenum">
               <a:rPr lang="fr-FR" smtClean="0"/>
-              <a:t>‹N°›</a:t>
+              <a:t>‹#›</a:t>
             </a:fld>
             <a:endParaRPr lang="fr-FR"/>
           </a:p>
@@ -2572,7 +2572,7 @@
           <a:p>
             <a:fld id="{8E3791C1-DEFE-4CC8-B039-8F6B92BC8022}" type="datetimeFigureOut">
               <a:rPr lang="fr-FR" smtClean="0"/>
-              <a:t>20/07/2022</a:t>
+              <a:t>22/08/2024</a:t>
             </a:fld>
             <a:endParaRPr lang="fr-FR"/>
           </a:p>
@@ -2650,7 +2650,7 @@
           <a:p>
             <a:fld id="{94AC809D-A271-4F70-B779-6C837F015645}" type="slidenum">
               <a:rPr lang="fr-FR" smtClean="0"/>
-              <a:t>‹N°›</a:t>
+              <a:t>‹#›</a:t>
             </a:fld>
             <a:endParaRPr lang="fr-FR"/>
           </a:p>
@@ -3497,7 +3497,7 @@
         <p:spPr>
           <a:xfrm>
             <a:off x="619387" y="4141358"/>
-            <a:ext cx="3078600" cy="307777"/>
+            <a:ext cx="3912802" cy="369332"/>
           </a:xfrm>
           <a:prstGeom prst="rect">
             <a:avLst/>
@@ -3511,15 +3511,15 @@
           <a:lstStyle/>
           <a:p>
             <a:r>
-              <a:rPr lang="fr-FR" sz="1400" dirty="0"/>
+              <a:rPr lang="fr-FR" dirty="0"/>
               <a:t>Figure 1 : Complete </a:t>
             </a:r>
             <a:r>
-              <a:rPr lang="fr-FR" sz="1400" dirty="0" err="1"/>
+              <a:rPr lang="fr-FR" dirty="0" err="1"/>
               <a:t>legend</a:t>
             </a:r>
             <a:r>
-              <a:rPr lang="fr-FR" sz="1400" dirty="0"/>
+              <a:rPr lang="fr-FR" dirty="0"/>
               <a:t> of the figure</a:t>
             </a:r>
           </a:p>
@@ -3545,18 +3545,22 @@
           <a:bodyPr wrap="none" rtlCol="0">
             <a:spAutoFit/>
           </a:bodyPr>
-          <a:lstStyle/>
-          <a:p>
-            <a:r>
-              <a:rPr lang="fr-FR" sz="1400" dirty="0"/>
+          <a:lstStyle>
+            <a:defPPr>
+              <a:defRPr lang="en-US"/>
+            </a:defPPr>
+          </a:lstStyle>
+          <a:p>
+            <a:r>
+              <a:rPr lang="fr-FR" dirty="0"/>
               <a:t>Table 1 : Complete </a:t>
             </a:r>
             <a:r>
-              <a:rPr lang="fr-FR" sz="1400" dirty="0" err="1"/>
+              <a:rPr lang="fr-FR" dirty="0" err="1"/>
               <a:t>legend</a:t>
             </a:r>
             <a:r>
-              <a:rPr lang="fr-FR" sz="1400" dirty="0"/>
+              <a:rPr lang="fr-FR" dirty="0"/>
               <a:t> of the table</a:t>
             </a:r>
           </a:p>
@@ -3868,8 +3872,8 @@
         </p:nvSpPr>
         <p:spPr>
           <a:xfrm>
-            <a:off x="4405746" y="1485996"/>
-            <a:ext cx="1971304" cy="646331"/>
+            <a:off x="2177143" y="1036790"/>
+            <a:ext cx="4312721" cy="1477328"/>
           </a:xfrm>
           <a:prstGeom prst="rect">
             <a:avLst/>
@@ -3887,6 +3891,15 @@
               <a:t>Very brief general introduction</a:t>
             </a:r>
           </a:p>
+          <a:p>
+            <a:endParaRPr lang="en-US" dirty="0"/>
+          </a:p>
+          <a:p>
+            <a:r>
+              <a:rPr lang="en-US" dirty="0"/>
+              <a:t>Explicitly write-down the biological/technical question you aim to tackle in the report</a:t>
+            </a:r>
+          </a:p>
         </p:txBody>
       </p:sp>
       <p:sp>
@@ -3897,8 +3910,8 @@
         </p:nvSpPr>
         <p:spPr>
           <a:xfrm>
-            <a:off x="3942608" y="3941179"/>
-            <a:ext cx="2636322" cy="1200329"/>
+            <a:off x="2177144" y="3523060"/>
+            <a:ext cx="4312720" cy="646331"/>
           </a:xfrm>
           <a:prstGeom prst="rect">
             <a:avLst/>
@@ -3932,8 +3945,8 @@
         </p:nvSpPr>
         <p:spPr>
           <a:xfrm>
-            <a:off x="3040083" y="7180026"/>
-            <a:ext cx="3633849" cy="1754326"/>
+            <a:off x="2177143" y="7180026"/>
+            <a:ext cx="4496789" cy="1477328"/>
           </a:xfrm>
           <a:prstGeom prst="rect">
             <a:avLst/>
@@ -3954,7 +3967,7 @@
           <a:p>
             <a:r>
               <a:rPr lang="en-US" dirty="0"/>
-              <a:t>Otherwise give a brief description of what you have done.</a:t>
+              <a:t>Otherwise provide a brief description of what you have done and how.</a:t>
             </a:r>
           </a:p>
         </p:txBody>
@@ -4010,8 +4023,8 @@
         </p:blipFill>
         <p:spPr>
           <a:xfrm>
-            <a:off x="1698402" y="4575299"/>
-            <a:ext cx="3445218" cy="4609607"/>
+            <a:off x="1585830" y="4146753"/>
+            <a:ext cx="3686339" cy="4932220"/>
           </a:xfrm>
           <a:prstGeom prst="rect">
             <a:avLst/>
@@ -4026,8 +4039,8 @@
         </p:nvSpPr>
         <p:spPr>
           <a:xfrm>
-            <a:off x="1881711" y="9184906"/>
-            <a:ext cx="3078600" cy="307777"/>
+            <a:off x="1112454" y="9184906"/>
+            <a:ext cx="3912802" cy="369332"/>
           </a:xfrm>
           <a:prstGeom prst="rect">
             <a:avLst/>
@@ -4041,15 +4054,15 @@
           <a:lstStyle/>
           <a:p>
             <a:r>
-              <a:rPr lang="fr-FR" sz="1400" dirty="0"/>
+              <a:rPr lang="fr-FR" dirty="0"/>
               <a:t>Figure 3 : Complete </a:t>
             </a:r>
             <a:r>
-              <a:rPr lang="fr-FR" sz="1400" dirty="0" err="1"/>
+              <a:rPr lang="fr-FR" dirty="0" err="1"/>
               <a:t>legend</a:t>
             </a:r>
             <a:r>
-              <a:rPr lang="fr-FR" sz="1400" dirty="0"/>
+              <a:rPr lang="fr-FR" dirty="0"/>
               <a:t> of the figure</a:t>
             </a:r>
           </a:p>
@@ -4088,7 +4101,7 @@
         <p:spPr>
           <a:xfrm>
             <a:off x="407453" y="2923806"/>
-            <a:ext cx="3078600" cy="307777"/>
+            <a:ext cx="3912802" cy="369332"/>
           </a:xfrm>
           <a:prstGeom prst="rect">
             <a:avLst/>
@@ -4102,15 +4115,15 @@
           <a:lstStyle/>
           <a:p>
             <a:r>
-              <a:rPr lang="fr-FR" sz="1400" dirty="0"/>
+              <a:rPr lang="fr-FR" dirty="0"/>
               <a:t>Figure 2 : Complete </a:t>
             </a:r>
             <a:r>
-              <a:rPr lang="fr-FR" sz="1400" dirty="0" err="1"/>
+              <a:rPr lang="fr-FR" dirty="0" err="1"/>
               <a:t>legend</a:t>
             </a:r>
             <a:r>
-              <a:rPr lang="fr-FR" sz="1400" dirty="0"/>
+              <a:rPr lang="fr-FR" dirty="0"/>
               <a:t> of the figure</a:t>
             </a:r>
           </a:p>
@@ -4184,7 +4197,7 @@
         <p:spPr>
           <a:xfrm>
             <a:off x="380010" y="486888"/>
-            <a:ext cx="2538900" cy="400110"/>
+            <a:ext cx="4335546" cy="400110"/>
           </a:xfrm>
           <a:prstGeom prst="rect">
             <a:avLst/>
@@ -4208,6 +4221,14 @@
             <a:r>
               <a:rPr lang="fr-FR" sz="2000" b="1" dirty="0" err="1"/>
               <a:t>analysis</a:t>
+            </a:r>
+            <a:r>
+              <a:rPr lang="fr-FR" sz="2000" b="1" dirty="0"/>
+              <a:t> +  </a:t>
+            </a:r>
+            <a:r>
+              <a:rPr lang="fr-FR" sz="2000" b="1" dirty="0" err="1"/>
+              <a:t>intrepretation</a:t>
             </a:r>
             <a:endParaRPr lang="fr-FR" sz="2000" b="1" dirty="0"/>
           </a:p>
@@ -4270,8 +4291,8 @@
         </p:nvSpPr>
         <p:spPr>
           <a:xfrm>
-            <a:off x="3040083" y="2275517"/>
-            <a:ext cx="3633849" cy="923330"/>
+            <a:off x="1509486" y="1927174"/>
+            <a:ext cx="4847771" cy="6863417"/>
           </a:xfrm>
           <a:prstGeom prst="rect">
             <a:avLst/>
@@ -4285,28 +4306,65 @@
           <a:lstStyle/>
           <a:p>
             <a:r>
-              <a:rPr lang="en-US" dirty="0"/>
-              <a:t>Main features of the </a:t>
-            </a:r>
-            <a:r>
-              <a:rPr lang="en-US" dirty="0" err="1"/>
+              <a:rPr lang="en-US" sz="2000" i="1" dirty="0"/>
+              <a:t>Here, your aim is to answer (to the best as the data can) a biological/technical question raised in the introduction.</a:t>
+            </a:r>
+          </a:p>
+          <a:p>
+            <a:r>
+              <a:rPr lang="en-US" sz="2000" i="1" dirty="0"/>
+              <a:t>Select the piece of data you need to provide to support your reasoning.</a:t>
+            </a:r>
+          </a:p>
+          <a:p>
+            <a:endParaRPr lang="en-US" sz="2000" i="1" dirty="0"/>
+          </a:p>
+          <a:p>
+            <a:endParaRPr lang="en-US" sz="2000" i="1" dirty="0"/>
+          </a:p>
+          <a:p>
+            <a:r>
+              <a:rPr lang="en-US" sz="2000" dirty="0"/>
+              <a:t>- Describe general observations of the </a:t>
+            </a:r>
+            <a:r>
+              <a:rPr lang="en-US" sz="2000" dirty="0" err="1"/>
               <a:t>ChIP</a:t>
             </a:r>
             <a:r>
-              <a:rPr lang="en-US" dirty="0"/>
-              <a:t> results.</a:t>
-            </a:r>
-          </a:p>
-          <a:p>
-            <a:r>
-              <a:rPr lang="en-US" dirty="0"/>
-              <a:t>Focus on specific characteristics.</a:t>
-            </a:r>
-          </a:p>
-          <a:p>
-            <a:r>
-              <a:rPr lang="en-US" dirty="0"/>
-              <a:t>Show important results only.</a:t>
+              <a:rPr lang="en-US" sz="2000" dirty="0"/>
+              <a:t> data. If a replicate has been excluded, justify why.</a:t>
+            </a:r>
+          </a:p>
+          <a:p>
+            <a:endParaRPr lang="en-US" sz="2000" dirty="0"/>
+          </a:p>
+          <a:p>
+            <a:r>
+              <a:rPr lang="en-US" sz="2000" dirty="0"/>
+              <a:t>- </a:t>
+            </a:r>
+            <a:r>
+              <a:rPr lang="en-GB" sz="2000" dirty="0"/>
+              <a:t>The data presented in this section should demonstrate how the experiment’s objectives (= answer to biological/technical question) have been met.</a:t>
+            </a:r>
+          </a:p>
+          <a:p>
+            <a:endParaRPr lang="en-GB" sz="2000" dirty="0"/>
+          </a:p>
+          <a:p>
+            <a:r>
+              <a:rPr lang="en-GB" sz="2000" dirty="0"/>
+              <a:t>- In the text, convey the main findings of the experiment. Text and findings must be supported by the Figures (and/or tables).</a:t>
+            </a:r>
+          </a:p>
+          <a:p>
+            <a:endParaRPr lang="en-GB" sz="2000" dirty="0"/>
+          </a:p>
+          <a:p>
+            <a:r>
+              <a:rPr lang="en-GB" sz="2000" dirty="0"/>
+              <a:t>- Interpret your findings in light of the field’s knowledge. </a:t>
             </a:r>
           </a:p>
         </p:txBody>
@@ -4437,7 +4495,7 @@
         <p:spPr>
           <a:xfrm>
             <a:off x="1566863" y="4857751"/>
-            <a:ext cx="3078600" cy="307777"/>
+            <a:ext cx="3912802" cy="369332"/>
           </a:xfrm>
           <a:prstGeom prst="rect">
             <a:avLst/>
@@ -4451,7 +4509,7 @@
           <a:lstStyle/>
           <a:p>
             <a:r>
-              <a:rPr lang="en-CA" sz="1400" dirty="0"/>
+              <a:rPr lang="en-CA" dirty="0"/>
               <a:t>Figure 4 : Complete legend of the figure</a:t>
             </a:r>
           </a:p>
@@ -5237,7 +5295,7 @@
         <p:spPr>
           <a:xfrm>
             <a:off x="1644630" y="8602752"/>
-            <a:ext cx="3078600" cy="307777"/>
+            <a:ext cx="3912802" cy="369332"/>
           </a:xfrm>
           <a:prstGeom prst="rect">
             <a:avLst/>
@@ -5251,15 +5309,15 @@
           <a:lstStyle/>
           <a:p>
             <a:r>
-              <a:rPr lang="fr-FR" sz="1400" dirty="0"/>
+              <a:rPr lang="fr-FR" dirty="0"/>
               <a:t>Figure 5 : Complete </a:t>
             </a:r>
             <a:r>
-              <a:rPr lang="fr-FR" sz="1400" dirty="0" err="1"/>
+              <a:rPr lang="fr-FR" dirty="0" err="1"/>
               <a:t>legend</a:t>
             </a:r>
             <a:r>
-              <a:rPr lang="fr-FR" sz="1400" dirty="0"/>
+              <a:rPr lang="fr-FR" dirty="0"/>
               <a:t> of the figure</a:t>
             </a:r>
           </a:p>
@@ -5459,8 +5517,8 @@
         </p:nvSpPr>
         <p:spPr>
           <a:xfrm>
-            <a:off x="2737532" y="4275117"/>
-            <a:ext cx="3936399" cy="1200329"/>
+            <a:off x="1953760" y="4291280"/>
+            <a:ext cx="4374469" cy="3477875"/>
           </a:xfrm>
           <a:prstGeom prst="rect">
             <a:avLst/>
@@ -5468,38 +5526,41 @@
           <a:noFill/>
         </p:spPr>
         <p:txBody>
-          <a:bodyPr wrap="none" rtlCol="0">
+          <a:bodyPr wrap="square" rtlCol="0">
             <a:spAutoFit/>
           </a:bodyPr>
           <a:lstStyle/>
           <a:p>
             <a:r>
-              <a:rPr lang="en-US" dirty="0"/>
-              <a:t>Comment on the quality of the </a:t>
-            </a:r>
-            <a:r>
-              <a:rPr lang="en-US" dirty="0" err="1"/>
+              <a:rPr lang="en-US" sz="2000" dirty="0"/>
+              <a:t>Summarize the main findings. Comment on the quality of the </a:t>
+            </a:r>
+            <a:r>
+              <a:rPr lang="en-US" sz="2000" dirty="0" err="1"/>
               <a:t>ChIPseq</a:t>
             </a:r>
             <a:r>
-              <a:rPr lang="en-US" dirty="0"/>
-              <a:t>.</a:t>
-            </a:r>
-          </a:p>
-          <a:p>
-            <a:r>
-              <a:rPr lang="en-US" dirty="0"/>
-              <a:t>Biological relevance of the results.</a:t>
-            </a:r>
-          </a:p>
-          <a:p>
-            <a:r>
-              <a:rPr lang="en-US" dirty="0"/>
-              <a:t>Further study.</a:t>
-            </a:r>
-          </a:p>
-          <a:p>
-            <a:endParaRPr lang="en-US" dirty="0"/>
+              <a:rPr lang="en-US" sz="2000" dirty="0"/>
+              <a:t>. Conclude on the biological relevance of your results.</a:t>
+            </a:r>
+          </a:p>
+          <a:p>
+            <a:endParaRPr lang="en-US" sz="2000" dirty="0"/>
+          </a:p>
+          <a:p>
+            <a:r>
+              <a:rPr lang="en-US" sz="2000" dirty="0"/>
+              <a:t>No new information should be given in the conclusion</a:t>
+            </a:r>
+          </a:p>
+          <a:p>
+            <a:endParaRPr lang="en-US" sz="2000" dirty="0"/>
+          </a:p>
+          <a:p>
+            <a:r>
+              <a:rPr lang="en-US" sz="2000" dirty="0"/>
+              <a:t>Propose further work or potential improvements identified during the experiments/analyses.</a:t>
+            </a:r>
           </a:p>
         </p:txBody>
       </p:sp>
